--- a/AME 557 Project 2 Outline.pptx
+++ b/AME 557 Project 2 Outline.pptx
@@ -5,10 +5,10 @@
     <p:sldMasterId id="2147483648" r:id="rId3"/>
   </p:sldMasterIdLst>
   <p:notesMasterIdLst>
-    <p:notesMasterId r:id="rId13"/>
+    <p:notesMasterId r:id="rId12"/>
   </p:notesMasterIdLst>
   <p:handoutMasterIdLst>
-    <p:handoutMasterId r:id="rId14"/>
+    <p:handoutMasterId r:id="rId13"/>
   </p:handoutMasterIdLst>
   <p:sldIdLst>
     <p:sldId id="256" r:id="rId4"/>
@@ -17,9 +17,8 @@
     <p:sldId id="258" r:id="rId7"/>
     <p:sldId id="262" r:id="rId8"/>
     <p:sldId id="260" r:id="rId9"/>
-    <p:sldId id="261" r:id="rId10"/>
-    <p:sldId id="263" r:id="rId11"/>
-    <p:sldId id="264" r:id="rId12"/>
+    <p:sldId id="263" r:id="rId10"/>
+    <p:sldId id="264" r:id="rId11"/>
   </p:sldIdLst>
   <p:sldSz cx="12192000" cy="6858000"/>
   <p:notesSz cx="6858000" cy="9144000"/>
@@ -1486,7 +1485,7 @@
     </p:spTree>
     <p:extLst>
       <p:ext uri="{BB962C8B-B14F-4D97-AF65-F5344CB8AC3E}">
-        <p14:creationId xmlns:p14="http://schemas.microsoft.com/office/powerpoint/2010/main" val="2830483432"/>
+        <p14:creationId xmlns:p14="http://schemas.microsoft.com/office/powerpoint/2010/main" val="3111714672"/>
       </p:ext>
     </p:extLst>
   </p:cSld>
@@ -1600,128 +1599,6 @@
             <a:fld id="{1F2545D6-431F-430E-BE68-C9E074B64D37}" type="slidenum">
               <a:rPr lang="en-US" smtClean="0"/>
               <a:t>8</a:t>
-            </a:fld>
-            <a:endParaRPr lang="en-US"/>
-          </a:p>
-        </p:txBody>
-      </p:sp>
-    </p:spTree>
-    <p:extLst>
-      <p:ext uri="{BB962C8B-B14F-4D97-AF65-F5344CB8AC3E}">
-        <p14:creationId xmlns:p14="http://schemas.microsoft.com/office/powerpoint/2010/main" val="3111714672"/>
-      </p:ext>
-    </p:extLst>
-  </p:cSld>
-  <p:clrMapOvr>
-    <a:masterClrMapping/>
-  </p:clrMapOvr>
-</p:notes>
-</file>
-
-<file path=ppt/notesSlides/notesSlide9.xml><?xml version="1.0" encoding="utf-8"?>
-<p:notes xmlns:a="http://schemas.openxmlformats.org/drawingml/2006/main" xmlns:r="http://schemas.openxmlformats.org/officeDocument/2006/relationships" xmlns:p="http://schemas.openxmlformats.org/presentationml/2006/main">
-  <p:cSld>
-    <p:spTree>
-      <p:nvGrpSpPr>
-        <p:cNvPr id="1" name=""/>
-        <p:cNvGrpSpPr/>
-        <p:nvPr/>
-      </p:nvGrpSpPr>
-      <p:grpSpPr>
-        <a:xfrm>
-          <a:off x="0" y="0"/>
-          <a:ext cx="0" cy="0"/>
-          <a:chOff x="0" y="0"/>
-          <a:chExt cx="0" cy="0"/>
-        </a:xfrm>
-      </p:grpSpPr>
-      <p:sp>
-        <p:nvSpPr>
-          <p:cNvPr id="2" name="Slide Image Placeholder 1"/>
-          <p:cNvSpPr>
-            <a:spLocks noGrp="1" noRot="1" noChangeAspect="1"/>
-          </p:cNvSpPr>
-          <p:nvPr>
-            <p:ph type="sldImg"/>
-          </p:nvPr>
-        </p:nvSpPr>
-        <p:spPr/>
-      </p:sp>
-      <p:sp>
-        <p:nvSpPr>
-          <p:cNvPr id="3" name="Notes Placeholder 2"/>
-          <p:cNvSpPr>
-            <a:spLocks noGrp="1"/>
-          </p:cNvSpPr>
-          <p:nvPr>
-            <p:ph type="body" idx="1"/>
-          </p:nvPr>
-        </p:nvSpPr>
-        <p:spPr/>
-        <p:txBody>
-          <a:bodyPr/>
-          <a:lstStyle/>
-          <a:p>
-            <a:endParaRPr lang="en-US"/>
-          </a:p>
-        </p:txBody>
-      </p:sp>
-      <p:sp>
-        <p:nvSpPr>
-          <p:cNvPr id="4" name="Header Placeholder 3"/>
-          <p:cNvSpPr>
-            <a:spLocks noGrp="1"/>
-          </p:cNvSpPr>
-          <p:nvPr>
-            <p:ph type="hdr" sz="quarter" idx="10"/>
-          </p:nvPr>
-        </p:nvSpPr>
-        <p:spPr/>
-        <p:txBody>
-          <a:bodyPr/>
-          <a:lstStyle/>
-          <a:p>
-            <a:endParaRPr lang="en-US"/>
-          </a:p>
-        </p:txBody>
-      </p:sp>
-      <p:sp>
-        <p:nvSpPr>
-          <p:cNvPr id="5" name="Footer Placeholder 4"/>
-          <p:cNvSpPr>
-            <a:spLocks noGrp="1"/>
-          </p:cNvSpPr>
-          <p:nvPr>
-            <p:ph type="ftr" sz="quarter" idx="11"/>
-          </p:nvPr>
-        </p:nvSpPr>
-        <p:spPr/>
-        <p:txBody>
-          <a:bodyPr/>
-          <a:lstStyle/>
-          <a:p>
-            <a:endParaRPr lang="en-US"/>
-          </a:p>
-        </p:txBody>
-      </p:sp>
-      <p:sp>
-        <p:nvSpPr>
-          <p:cNvPr id="6" name="Slide Number Placeholder 5"/>
-          <p:cNvSpPr>
-            <a:spLocks noGrp="1"/>
-          </p:cNvSpPr>
-          <p:nvPr>
-            <p:ph type="sldNum" sz="quarter" idx="12"/>
-          </p:nvPr>
-        </p:nvSpPr>
-        <p:spPr/>
-        <p:txBody>
-          <a:bodyPr/>
-          <a:lstStyle/>
-          <a:p>
-            <a:fld id="{1F2545D6-431F-430E-BE68-C9E074B64D37}" type="slidenum">
-              <a:rPr lang="en-US" smtClean="0"/>
-              <a:t>9</a:t>
             </a:fld>
             <a:endParaRPr lang="en-US"/>
           </a:p>
@@ -4614,11 +4491,7 @@
           <a:p>
             <a:r>
               <a:rPr lang="en-US" dirty="0" smtClean="0"/>
-              <a:t>Orbit Propagation </a:t>
-            </a:r>
-            <a:r>
-              <a:rPr lang="en-US" dirty="0" smtClean="0"/>
-              <a:t>to Determine Satellite’s Demise</a:t>
+              <a:t>Orbit Propagation to Determine Satellite’s Demise</a:t>
             </a:r>
             <a:endParaRPr lang="en-US" dirty="0"/>
           </a:p>
@@ -8122,1561 +7995,6 @@
           <a:p>
             <a:r>
               <a:rPr lang="en-US" dirty="0" smtClean="0"/>
-              <a:t>Equations of Motion (Averaged)</a:t>
-            </a:r>
-            <a:endParaRPr lang="en-US" dirty="0"/>
-          </a:p>
-        </p:txBody>
-      </p:sp>
-      <mc:AlternateContent xmlns:mc="http://schemas.openxmlformats.org/markup-compatibility/2006" xmlns:a14="http://schemas.microsoft.com/office/drawing/2010/main">
-        <mc:Choice Requires="a14">
-          <p:sp>
-            <p:nvSpPr>
-              <p:cNvPr id="3" name="Content Placeholder 2"/>
-              <p:cNvSpPr>
-                <a:spLocks noGrp="1"/>
-              </p:cNvSpPr>
-              <p:nvPr>
-                <p:ph idx="1"/>
-              </p:nvPr>
-            </p:nvSpPr>
-            <p:spPr/>
-            <p:txBody>
-              <a:bodyPr/>
-              <a:lstStyle/>
-              <a:p>
-                <a14:m>
-                  <m:oMath xmlns:m="http://schemas.openxmlformats.org/officeDocument/2006/math">
-                    <m:acc>
-                      <m:accPr>
-                        <m:chr m:val="̇"/>
-                        <m:ctrlPr>
-                          <a:rPr lang="en-US" sz="2400" i="1" smtClean="0">
-                            <a:latin typeface="Cambria Math" panose="02040503050406030204" pitchFamily="18" charset="0"/>
-                          </a:rPr>
-                        </m:ctrlPr>
-                      </m:accPr>
-                      <m:e>
-                        <m:acc>
-                          <m:accPr>
-                            <m:chr m:val="̇"/>
-                            <m:ctrlPr>
-                              <a:rPr lang="en-US" sz="2400" i="1" smtClean="0">
-                                <a:latin typeface="Cambria Math" panose="02040503050406030204" pitchFamily="18" charset="0"/>
-                              </a:rPr>
-                            </m:ctrlPr>
-                          </m:accPr>
-                          <m:e>
-                            <m:acc>
-                              <m:accPr>
-                                <m:chr m:val="̅"/>
-                                <m:ctrlPr>
-                                  <a:rPr lang="en-US" sz="2400" i="1" smtClean="0">
-                                    <a:latin typeface="Cambria Math" panose="02040503050406030204" pitchFamily="18" charset="0"/>
-                                  </a:rPr>
-                                </m:ctrlPr>
-                              </m:accPr>
-                              <m:e>
-                                <m:r>
-                                  <a:rPr lang="en-US" sz="2400" b="0" i="1" smtClean="0">
-                                    <a:latin typeface="Cambria Math" panose="02040503050406030204" pitchFamily="18" charset="0"/>
-                                  </a:rPr>
-                                  <m:t>𝑎</m:t>
-                                </m:r>
-                              </m:e>
-                            </m:acc>
-                          </m:e>
-                        </m:acc>
-                        <m:r>
-                          <a:rPr lang="en-US" sz="2400" i="1">
-                            <a:latin typeface="Cambria Math" panose="02040503050406030204" pitchFamily="18" charset="0"/>
-                          </a:rPr>
-                          <m:t>=−</m:t>
-                        </m:r>
-                        <m:d>
-                          <m:dPr>
-                            <m:ctrlPr>
-                              <a:rPr lang="en-US" sz="2400" i="1">
-                                <a:latin typeface="Cambria Math" panose="02040503050406030204" pitchFamily="18" charset="0"/>
-                              </a:rPr>
-                            </m:ctrlPr>
-                          </m:dPr>
-                          <m:e>
-                            <m:f>
-                              <m:fPr>
-                                <m:ctrlPr>
-                                  <a:rPr lang="en-US" sz="2400" i="1">
-                                    <a:latin typeface="Cambria Math" panose="02040503050406030204" pitchFamily="18" charset="0"/>
-                                  </a:rPr>
-                                </m:ctrlPr>
-                              </m:fPr>
-                              <m:num>
-                                <m:r>
-                                  <a:rPr lang="en-US" sz="2400" i="1">
-                                    <a:latin typeface="Cambria Math" panose="02040503050406030204" pitchFamily="18" charset="0"/>
-                                  </a:rPr>
-                                  <m:t>𝐴</m:t>
-                                </m:r>
-                              </m:num>
-                              <m:den>
-                                <m:r>
-                                  <a:rPr lang="en-US" sz="2400" i="1">
-                                    <a:latin typeface="Cambria Math" panose="02040503050406030204" pitchFamily="18" charset="0"/>
-                                  </a:rPr>
-                                  <m:t>𝑚</m:t>
-                                </m:r>
-                              </m:den>
-                            </m:f>
-                          </m:e>
-                        </m:d>
-                        <m:sSub>
-                          <m:sSubPr>
-                            <m:ctrlPr>
-                              <a:rPr lang="en-US" sz="2400" i="1">
-                                <a:latin typeface="Cambria Math" panose="02040503050406030204" pitchFamily="18" charset="0"/>
-                              </a:rPr>
-                            </m:ctrlPr>
-                          </m:sSubPr>
-                          <m:e>
-                            <m:r>
-                              <a:rPr lang="en-US" sz="2400" i="1">
-                                <a:latin typeface="Cambria Math" panose="02040503050406030204" pitchFamily="18" charset="0"/>
-                              </a:rPr>
-                              <m:t>𝐶</m:t>
-                            </m:r>
-                          </m:e>
-                          <m:sub>
-                            <m:r>
-                              <a:rPr lang="en-US" sz="2400" i="1">
-                                <a:latin typeface="Cambria Math" panose="02040503050406030204" pitchFamily="18" charset="0"/>
-                              </a:rPr>
-                              <m:t>𝑑</m:t>
-                            </m:r>
-                          </m:sub>
-                        </m:sSub>
-                        <m:r>
-                          <a:rPr lang="en-US" sz="2400" i="1">
-                            <a:latin typeface="Cambria Math" panose="02040503050406030204" pitchFamily="18" charset="0"/>
-                          </a:rPr>
-                          <m:t>𝑛</m:t>
-                        </m:r>
-                        <m:sSup>
-                          <m:sSupPr>
-                            <m:ctrlPr>
-                              <a:rPr lang="en-US" sz="2400" i="1">
-                                <a:latin typeface="Cambria Math" panose="02040503050406030204" pitchFamily="18" charset="0"/>
-                              </a:rPr>
-                            </m:ctrlPr>
-                          </m:sSupPr>
-                          <m:e>
-                            <m:r>
-                              <a:rPr lang="en-US" sz="2400" i="1">
-                                <a:latin typeface="Cambria Math" panose="02040503050406030204" pitchFamily="18" charset="0"/>
-                              </a:rPr>
-                              <m:t>𝑎</m:t>
-                            </m:r>
-                          </m:e>
-                          <m:sup>
-                            <m:r>
-                              <a:rPr lang="en-US" sz="2400" i="1">
-                                <a:latin typeface="Cambria Math" panose="02040503050406030204" pitchFamily="18" charset="0"/>
-                              </a:rPr>
-                              <m:t>2</m:t>
-                            </m:r>
-                          </m:sup>
-                        </m:sSup>
-                        <m:sSub>
-                          <m:sSubPr>
-                            <m:ctrlPr>
-                              <a:rPr lang="en-US" sz="2400" i="1">
-                                <a:latin typeface="Cambria Math" panose="02040503050406030204" pitchFamily="18" charset="0"/>
-                              </a:rPr>
-                            </m:ctrlPr>
-                          </m:sSubPr>
-                          <m:e>
-                            <m:r>
-                              <a:rPr lang="en-US" sz="2400" i="1">
-                                <a:latin typeface="Cambria Math" panose="02040503050406030204" pitchFamily="18" charset="0"/>
-                              </a:rPr>
-                              <m:t>𝑝</m:t>
-                            </m:r>
-                          </m:e>
-                          <m:sub>
-                            <m:r>
-                              <a:rPr lang="en-US" sz="2400" i="1">
-                                <a:latin typeface="Cambria Math" panose="02040503050406030204" pitchFamily="18" charset="0"/>
-                              </a:rPr>
-                              <m:t>𝑎</m:t>
-                            </m:r>
-                          </m:sub>
-                        </m:sSub>
-                        <m:d>
-                          <m:dPr>
-                            <m:begChr m:val="{"/>
-                            <m:endChr m:val="}"/>
-                            <m:ctrlPr>
-                              <a:rPr lang="en-US" sz="2400" i="1">
-                                <a:latin typeface="Cambria Math" panose="02040503050406030204" pitchFamily="18" charset="0"/>
-                              </a:rPr>
-                            </m:ctrlPr>
-                          </m:dPr>
-                          <m:e>
-                            <m:sSub>
-                              <m:sSubPr>
-                                <m:ctrlPr>
-                                  <a:rPr lang="en-US" sz="2400" i="1">
-                                    <a:latin typeface="Cambria Math" panose="02040503050406030204" pitchFamily="18" charset="0"/>
-                                  </a:rPr>
-                                </m:ctrlPr>
-                              </m:sSubPr>
-                              <m:e>
-                                <m:r>
-                                  <a:rPr lang="en-US" sz="2400" i="1">
-                                    <a:latin typeface="Cambria Math" panose="02040503050406030204" pitchFamily="18" charset="0"/>
-                                  </a:rPr>
-                                  <m:t>𝐼</m:t>
-                                </m:r>
-                              </m:e>
-                              <m:sub>
-                                <m:r>
-                                  <a:rPr lang="en-US" sz="2400" i="1">
-                                    <a:latin typeface="Cambria Math" panose="02040503050406030204" pitchFamily="18" charset="0"/>
-                                  </a:rPr>
-                                  <m:t>0</m:t>
-                                </m:r>
-                              </m:sub>
-                            </m:sSub>
-                            <m:d>
-                              <m:dPr>
-                                <m:ctrlPr>
-                                  <a:rPr lang="en-US" sz="2400" i="1">
-                                    <a:latin typeface="Cambria Math" panose="02040503050406030204" pitchFamily="18" charset="0"/>
-                                  </a:rPr>
-                                </m:ctrlPr>
-                              </m:dPr>
-                              <m:e>
-                                <m:r>
-                                  <a:rPr lang="en-US" sz="2400" i="1">
-                                    <a:latin typeface="Cambria Math" panose="02040503050406030204" pitchFamily="18" charset="0"/>
-                                    <a:ea typeface="Cambria Math" panose="02040503050406030204" pitchFamily="18" charset="0"/>
-                                  </a:rPr>
-                                  <m:t>𝜈</m:t>
-                                </m:r>
-                              </m:e>
-                            </m:d>
-                            <m:r>
-                              <a:rPr lang="en-US" sz="2400" i="1">
-                                <a:latin typeface="Cambria Math" panose="02040503050406030204" pitchFamily="18" charset="0"/>
-                                <a:ea typeface="Cambria Math" panose="02040503050406030204" pitchFamily="18" charset="0"/>
-                              </a:rPr>
-                              <m:t>+2</m:t>
-                            </m:r>
-                            <m:r>
-                              <a:rPr lang="en-US" sz="2400" i="1">
-                                <a:latin typeface="Cambria Math" panose="02040503050406030204" pitchFamily="18" charset="0"/>
-                                <a:ea typeface="Cambria Math" panose="02040503050406030204" pitchFamily="18" charset="0"/>
-                              </a:rPr>
-                              <m:t>𝑒</m:t>
-                            </m:r>
-                            <m:sSub>
-                              <m:sSubPr>
-                                <m:ctrlPr>
-                                  <a:rPr lang="en-US" sz="2400" i="1">
-                                    <a:latin typeface="Cambria Math" panose="02040503050406030204" pitchFamily="18" charset="0"/>
-                                    <a:ea typeface="Cambria Math" panose="02040503050406030204" pitchFamily="18" charset="0"/>
-                                  </a:rPr>
-                                </m:ctrlPr>
-                              </m:sSubPr>
-                              <m:e>
-                                <m:r>
-                                  <a:rPr lang="en-US" sz="2400" i="1">
-                                    <a:latin typeface="Cambria Math" panose="02040503050406030204" pitchFamily="18" charset="0"/>
-                                    <a:ea typeface="Cambria Math" panose="02040503050406030204" pitchFamily="18" charset="0"/>
-                                  </a:rPr>
-                                  <m:t>𝐼</m:t>
-                                </m:r>
-                              </m:e>
-                              <m:sub>
-                                <m:r>
-                                  <a:rPr lang="en-US" sz="2400" i="1">
-                                    <a:latin typeface="Cambria Math" panose="02040503050406030204" pitchFamily="18" charset="0"/>
-                                    <a:ea typeface="Cambria Math" panose="02040503050406030204" pitchFamily="18" charset="0"/>
-                                  </a:rPr>
-                                  <m:t>1</m:t>
-                                </m:r>
-                              </m:sub>
-                            </m:sSub>
-                            <m:d>
-                              <m:dPr>
-                                <m:ctrlPr>
-                                  <a:rPr lang="en-US" sz="2400" i="1">
-                                    <a:latin typeface="Cambria Math" panose="02040503050406030204" pitchFamily="18" charset="0"/>
-                                    <a:ea typeface="Cambria Math" panose="02040503050406030204" pitchFamily="18" charset="0"/>
-                                  </a:rPr>
-                                </m:ctrlPr>
-                              </m:dPr>
-                              <m:e>
-                                <m:r>
-                                  <a:rPr lang="en-US" sz="2400" i="1">
-                                    <a:latin typeface="Cambria Math" panose="02040503050406030204" pitchFamily="18" charset="0"/>
-                                    <a:ea typeface="Cambria Math" panose="02040503050406030204" pitchFamily="18" charset="0"/>
-                                  </a:rPr>
-                                  <m:t>𝜈</m:t>
-                                </m:r>
-                              </m:e>
-                            </m:d>
-                            <m:r>
-                              <a:rPr lang="en-US" sz="2400" i="1">
-                                <a:latin typeface="Cambria Math" panose="02040503050406030204" pitchFamily="18" charset="0"/>
-                                <a:ea typeface="Cambria Math" panose="02040503050406030204" pitchFamily="18" charset="0"/>
-                              </a:rPr>
-                              <m:t>+</m:t>
-                            </m:r>
-                            <m:f>
-                              <m:fPr>
-                                <m:ctrlPr>
-                                  <a:rPr lang="en-US" sz="2400" i="1">
-                                    <a:latin typeface="Cambria Math" panose="02040503050406030204" pitchFamily="18" charset="0"/>
-                                    <a:ea typeface="Cambria Math" panose="02040503050406030204" pitchFamily="18" charset="0"/>
-                                  </a:rPr>
-                                </m:ctrlPr>
-                              </m:fPr>
-                              <m:num>
-                                <m:r>
-                                  <a:rPr lang="en-US" sz="2400" i="1">
-                                    <a:latin typeface="Cambria Math" panose="02040503050406030204" pitchFamily="18" charset="0"/>
-                                    <a:ea typeface="Cambria Math" panose="02040503050406030204" pitchFamily="18" charset="0"/>
-                                  </a:rPr>
-                                  <m:t>3</m:t>
-                                </m:r>
-                              </m:num>
-                              <m:den>
-                                <m:r>
-                                  <a:rPr lang="en-US" sz="2400" i="1">
-                                    <a:latin typeface="Cambria Math" panose="02040503050406030204" pitchFamily="18" charset="0"/>
-                                    <a:ea typeface="Cambria Math" panose="02040503050406030204" pitchFamily="18" charset="0"/>
-                                  </a:rPr>
-                                  <m:t>4</m:t>
-                                </m:r>
-                              </m:den>
-                            </m:f>
-                            <m:sSup>
-                              <m:sSupPr>
-                                <m:ctrlPr>
-                                  <a:rPr lang="en-US" sz="2400" i="1">
-                                    <a:latin typeface="Cambria Math" panose="02040503050406030204" pitchFamily="18" charset="0"/>
-                                    <a:ea typeface="Cambria Math" panose="02040503050406030204" pitchFamily="18" charset="0"/>
-                                  </a:rPr>
-                                </m:ctrlPr>
-                              </m:sSupPr>
-                              <m:e>
-                                <m:r>
-                                  <a:rPr lang="en-US" sz="2400" i="1">
-                                    <a:latin typeface="Cambria Math" panose="02040503050406030204" pitchFamily="18" charset="0"/>
-                                    <a:ea typeface="Cambria Math" panose="02040503050406030204" pitchFamily="18" charset="0"/>
-                                  </a:rPr>
-                                  <m:t>𝑒</m:t>
-                                </m:r>
-                              </m:e>
-                              <m:sup>
-                                <m:r>
-                                  <a:rPr lang="en-US" sz="2400" i="1">
-                                    <a:latin typeface="Cambria Math" panose="02040503050406030204" pitchFamily="18" charset="0"/>
-                                    <a:ea typeface="Cambria Math" panose="02040503050406030204" pitchFamily="18" charset="0"/>
-                                  </a:rPr>
-                                  <m:t>2</m:t>
-                                </m:r>
-                              </m:sup>
-                            </m:sSup>
-                            <m:d>
-                              <m:dPr>
-                                <m:begChr m:val="["/>
-                                <m:endChr m:val="]"/>
-                                <m:ctrlPr>
-                                  <a:rPr lang="en-US" sz="2400" i="1">
-                                    <a:latin typeface="Cambria Math" panose="02040503050406030204" pitchFamily="18" charset="0"/>
-                                    <a:ea typeface="Cambria Math" panose="02040503050406030204" pitchFamily="18" charset="0"/>
-                                  </a:rPr>
-                                </m:ctrlPr>
-                              </m:dPr>
-                              <m:e>
-                                <m:sSub>
-                                  <m:sSubPr>
-                                    <m:ctrlPr>
-                                      <a:rPr lang="en-US" sz="2400" i="1">
-                                        <a:latin typeface="Cambria Math" panose="02040503050406030204" pitchFamily="18" charset="0"/>
-                                        <a:ea typeface="Cambria Math" panose="02040503050406030204" pitchFamily="18" charset="0"/>
-                                      </a:rPr>
-                                    </m:ctrlPr>
-                                  </m:sSubPr>
-                                  <m:e>
-                                    <m:r>
-                                      <a:rPr lang="en-US" sz="2400" i="1">
-                                        <a:latin typeface="Cambria Math" panose="02040503050406030204" pitchFamily="18" charset="0"/>
-                                        <a:ea typeface="Cambria Math" panose="02040503050406030204" pitchFamily="18" charset="0"/>
-                                      </a:rPr>
-                                      <m:t>𝐼</m:t>
-                                    </m:r>
-                                  </m:e>
-                                  <m:sub>
-                                    <m:r>
-                                      <a:rPr lang="en-US" sz="2400" i="1">
-                                        <a:latin typeface="Cambria Math" panose="02040503050406030204" pitchFamily="18" charset="0"/>
-                                        <a:ea typeface="Cambria Math" panose="02040503050406030204" pitchFamily="18" charset="0"/>
-                                      </a:rPr>
-                                      <m:t>0</m:t>
-                                    </m:r>
-                                  </m:sub>
-                                </m:sSub>
-                                <m:d>
-                                  <m:dPr>
-                                    <m:ctrlPr>
-                                      <a:rPr lang="en-US" sz="2400" i="1">
-                                        <a:latin typeface="Cambria Math" panose="02040503050406030204" pitchFamily="18" charset="0"/>
-                                        <a:ea typeface="Cambria Math" panose="02040503050406030204" pitchFamily="18" charset="0"/>
-                                      </a:rPr>
-                                    </m:ctrlPr>
-                                  </m:dPr>
-                                  <m:e>
-                                    <m:r>
-                                      <a:rPr lang="en-US" sz="2400" i="1">
-                                        <a:latin typeface="Cambria Math" panose="02040503050406030204" pitchFamily="18" charset="0"/>
-                                        <a:ea typeface="Cambria Math" panose="02040503050406030204" pitchFamily="18" charset="0"/>
-                                      </a:rPr>
-                                      <m:t>𝜈</m:t>
-                                    </m:r>
-                                  </m:e>
-                                </m:d>
-                                <m:r>
-                                  <a:rPr lang="en-US" sz="2400" i="1">
-                                    <a:latin typeface="Cambria Math" panose="02040503050406030204" pitchFamily="18" charset="0"/>
-                                    <a:ea typeface="Cambria Math" panose="02040503050406030204" pitchFamily="18" charset="0"/>
-                                  </a:rPr>
-                                  <m:t>+</m:t>
-                                </m:r>
-                                <m:sSub>
-                                  <m:sSubPr>
-                                    <m:ctrlPr>
-                                      <a:rPr lang="en-US" sz="2400" i="1">
-                                        <a:latin typeface="Cambria Math" panose="02040503050406030204" pitchFamily="18" charset="0"/>
-                                        <a:ea typeface="Cambria Math" panose="02040503050406030204" pitchFamily="18" charset="0"/>
-                                      </a:rPr>
-                                    </m:ctrlPr>
-                                  </m:sSubPr>
-                                  <m:e>
-                                    <m:r>
-                                      <a:rPr lang="en-US" sz="2400" i="1">
-                                        <a:latin typeface="Cambria Math" panose="02040503050406030204" pitchFamily="18" charset="0"/>
-                                        <a:ea typeface="Cambria Math" panose="02040503050406030204" pitchFamily="18" charset="0"/>
-                                      </a:rPr>
-                                      <m:t>𝐼</m:t>
-                                    </m:r>
-                                  </m:e>
-                                  <m:sub>
-                                    <m:r>
-                                      <a:rPr lang="en-US" sz="2400" i="1">
-                                        <a:latin typeface="Cambria Math" panose="02040503050406030204" pitchFamily="18" charset="0"/>
-                                        <a:ea typeface="Cambria Math" panose="02040503050406030204" pitchFamily="18" charset="0"/>
-                                      </a:rPr>
-                                      <m:t>2</m:t>
-                                    </m:r>
-                                  </m:sub>
-                                </m:sSub>
-                                <m:r>
-                                  <a:rPr lang="en-US" sz="2400" i="1">
-                                    <a:latin typeface="Cambria Math" panose="02040503050406030204" pitchFamily="18" charset="0"/>
-                                    <a:ea typeface="Cambria Math" panose="02040503050406030204" pitchFamily="18" charset="0"/>
-                                  </a:rPr>
-                                  <m:t>(</m:t>
-                                </m:r>
-                                <m:r>
-                                  <a:rPr lang="en-US" sz="2400" i="1">
-                                    <a:latin typeface="Cambria Math" panose="02040503050406030204" pitchFamily="18" charset="0"/>
-                                    <a:ea typeface="Cambria Math" panose="02040503050406030204" pitchFamily="18" charset="0"/>
-                                  </a:rPr>
-                                  <m:t>𝜈</m:t>
-                                </m:r>
-                                <m:r>
-                                  <a:rPr lang="en-US" sz="2400" i="1">
-                                    <a:latin typeface="Cambria Math" panose="02040503050406030204" pitchFamily="18" charset="0"/>
-                                    <a:ea typeface="Cambria Math" panose="02040503050406030204" pitchFamily="18" charset="0"/>
-                                  </a:rPr>
-                                  <m:t>)</m:t>
-                                </m:r>
-                              </m:e>
-                            </m:d>
-                          </m:e>
-                        </m:d>
-                      </m:e>
-                    </m:acc>
-                  </m:oMath>
-                </a14:m>
-                <a:endParaRPr lang="en-US" sz="2400" dirty="0" smtClean="0"/>
-              </a:p>
-              <a:p>
-                <a14:m>
-                  <m:oMath xmlns:m="http://schemas.openxmlformats.org/officeDocument/2006/math">
-                    <m:acc>
-                      <m:accPr>
-                        <m:chr m:val="̇"/>
-                        <m:ctrlPr>
-                          <a:rPr lang="en-US" sz="2400" i="1" smtClean="0">
-                            <a:latin typeface="Cambria Math" panose="02040503050406030204" pitchFamily="18" charset="0"/>
-                          </a:rPr>
-                        </m:ctrlPr>
-                      </m:accPr>
-                      <m:e>
-                        <m:acc>
-                          <m:accPr>
-                            <m:chr m:val="̅"/>
-                            <m:ctrlPr>
-                              <a:rPr lang="en-US" sz="2400" i="1" smtClean="0">
-                                <a:latin typeface="Cambria Math" panose="02040503050406030204" pitchFamily="18" charset="0"/>
-                              </a:rPr>
-                            </m:ctrlPr>
-                          </m:accPr>
-                          <m:e>
-                            <m:r>
-                              <a:rPr lang="en-US" sz="2400" b="0" i="1" smtClean="0">
-                                <a:latin typeface="Cambria Math" panose="02040503050406030204" pitchFamily="18" charset="0"/>
-                              </a:rPr>
-                              <m:t>𝑒</m:t>
-                            </m:r>
-                          </m:e>
-                        </m:acc>
-                      </m:e>
-                    </m:acc>
-                    <m:r>
-                      <a:rPr lang="en-US" sz="2400" b="0" i="1" smtClean="0">
-                        <a:latin typeface="Cambria Math" panose="02040503050406030204" pitchFamily="18" charset="0"/>
-                      </a:rPr>
-                      <m:t>=−</m:t>
-                    </m:r>
-                    <m:d>
-                      <m:dPr>
-                        <m:ctrlPr>
-                          <a:rPr lang="en-US" sz="2400" b="0" i="1" smtClean="0">
-                            <a:latin typeface="Cambria Math" panose="02040503050406030204" pitchFamily="18" charset="0"/>
-                          </a:rPr>
-                        </m:ctrlPr>
-                      </m:dPr>
-                      <m:e>
-                        <m:f>
-                          <m:fPr>
-                            <m:ctrlPr>
-                              <a:rPr lang="en-US" sz="2400" b="0" i="1" smtClean="0">
-                                <a:latin typeface="Cambria Math" panose="02040503050406030204" pitchFamily="18" charset="0"/>
-                              </a:rPr>
-                            </m:ctrlPr>
-                          </m:fPr>
-                          <m:num>
-                            <m:r>
-                              <a:rPr lang="en-US" sz="2400" b="0" i="1" smtClean="0">
-                                <a:latin typeface="Cambria Math" panose="02040503050406030204" pitchFamily="18" charset="0"/>
-                              </a:rPr>
-                              <m:t>𝐴</m:t>
-                            </m:r>
-                          </m:num>
-                          <m:den>
-                            <m:r>
-                              <a:rPr lang="en-US" sz="2400" b="0" i="1" smtClean="0">
-                                <a:latin typeface="Cambria Math" panose="02040503050406030204" pitchFamily="18" charset="0"/>
-                              </a:rPr>
-                              <m:t>𝑚</m:t>
-                            </m:r>
-                          </m:den>
-                        </m:f>
-                      </m:e>
-                    </m:d>
-                    <m:sSub>
-                      <m:sSubPr>
-                        <m:ctrlPr>
-                          <a:rPr lang="en-US" sz="2400" b="0" i="1" smtClean="0">
-                            <a:latin typeface="Cambria Math" panose="02040503050406030204" pitchFamily="18" charset="0"/>
-                          </a:rPr>
-                        </m:ctrlPr>
-                      </m:sSubPr>
-                      <m:e>
-                        <m:r>
-                          <a:rPr lang="en-US" sz="2400" b="0" i="1" smtClean="0">
-                            <a:latin typeface="Cambria Math" panose="02040503050406030204" pitchFamily="18" charset="0"/>
-                          </a:rPr>
-                          <m:t>𝐶</m:t>
-                        </m:r>
-                      </m:e>
-                      <m:sub>
-                        <m:r>
-                          <a:rPr lang="en-US" sz="2400" b="0" i="1" smtClean="0">
-                            <a:latin typeface="Cambria Math" panose="02040503050406030204" pitchFamily="18" charset="0"/>
-                          </a:rPr>
-                          <m:t>𝑑</m:t>
-                        </m:r>
-                      </m:sub>
-                    </m:sSub>
-                    <m:r>
-                      <a:rPr lang="en-US" sz="2400" b="0" i="1" smtClean="0">
-                        <a:latin typeface="Cambria Math" panose="02040503050406030204" pitchFamily="18" charset="0"/>
-                      </a:rPr>
-                      <m:t>𝑛𝑎</m:t>
-                    </m:r>
-                    <m:d>
-                      <m:dPr>
-                        <m:ctrlPr>
-                          <a:rPr lang="en-US" sz="2400" b="0" i="1" smtClean="0">
-                            <a:latin typeface="Cambria Math" panose="02040503050406030204" pitchFamily="18" charset="0"/>
-                          </a:rPr>
-                        </m:ctrlPr>
-                      </m:dPr>
-                      <m:e>
-                        <m:r>
-                          <a:rPr lang="en-US" sz="2400" b="0" i="1" smtClean="0">
-                            <a:latin typeface="Cambria Math" panose="02040503050406030204" pitchFamily="18" charset="0"/>
-                          </a:rPr>
-                          <m:t>1−</m:t>
-                        </m:r>
-                        <m:sSup>
-                          <m:sSupPr>
-                            <m:ctrlPr>
-                              <a:rPr lang="en-US" sz="2400" b="0" i="1" smtClean="0">
-                                <a:latin typeface="Cambria Math" panose="02040503050406030204" pitchFamily="18" charset="0"/>
-                              </a:rPr>
-                            </m:ctrlPr>
-                          </m:sSupPr>
-                          <m:e>
-                            <m:r>
-                              <a:rPr lang="en-US" sz="2400" b="0" i="1" smtClean="0">
-                                <a:latin typeface="Cambria Math" panose="02040503050406030204" pitchFamily="18" charset="0"/>
-                              </a:rPr>
-                              <m:t>𝑒</m:t>
-                            </m:r>
-                          </m:e>
-                          <m:sup>
-                            <m:r>
-                              <a:rPr lang="en-US" sz="2400" b="0" i="1" smtClean="0">
-                                <a:latin typeface="Cambria Math" panose="02040503050406030204" pitchFamily="18" charset="0"/>
-                              </a:rPr>
-                              <m:t>2</m:t>
-                            </m:r>
-                          </m:sup>
-                        </m:sSup>
-                      </m:e>
-                    </m:d>
-                    <m:sSub>
-                      <m:sSubPr>
-                        <m:ctrlPr>
-                          <a:rPr lang="en-US" sz="2400" b="0" i="1" smtClean="0">
-                            <a:latin typeface="Cambria Math" panose="02040503050406030204" pitchFamily="18" charset="0"/>
-                          </a:rPr>
-                        </m:ctrlPr>
-                      </m:sSubPr>
-                      <m:e>
-                        <m:r>
-                          <a:rPr lang="en-US" sz="2400" b="0" i="1" smtClean="0">
-                            <a:latin typeface="Cambria Math" panose="02040503050406030204" pitchFamily="18" charset="0"/>
-                          </a:rPr>
-                          <m:t>𝑝</m:t>
-                        </m:r>
-                      </m:e>
-                      <m:sub>
-                        <m:r>
-                          <a:rPr lang="en-US" sz="2400" b="0" i="1" smtClean="0">
-                            <a:latin typeface="Cambria Math" panose="02040503050406030204" pitchFamily="18" charset="0"/>
-                          </a:rPr>
-                          <m:t>𝑎</m:t>
-                        </m:r>
-                      </m:sub>
-                    </m:sSub>
-                    <m:d>
-                      <m:dPr>
-                        <m:begChr m:val="{"/>
-                        <m:endChr m:val="}"/>
-                        <m:ctrlPr>
-                          <a:rPr lang="en-US" sz="2400" b="0" i="1" smtClean="0">
-                            <a:latin typeface="Cambria Math" panose="02040503050406030204" pitchFamily="18" charset="0"/>
-                          </a:rPr>
-                        </m:ctrlPr>
-                      </m:dPr>
-                      <m:e>
-                        <m:sSub>
-                          <m:sSubPr>
-                            <m:ctrlPr>
-                              <a:rPr lang="en-US" sz="2400" b="0" i="1" smtClean="0">
-                                <a:latin typeface="Cambria Math" panose="02040503050406030204" pitchFamily="18" charset="0"/>
-                              </a:rPr>
-                            </m:ctrlPr>
-                          </m:sSubPr>
-                          <m:e>
-                            <m:r>
-                              <a:rPr lang="en-US" sz="2400" b="0" i="1" smtClean="0">
-                                <a:latin typeface="Cambria Math" panose="02040503050406030204" pitchFamily="18" charset="0"/>
-                              </a:rPr>
-                              <m:t>𝐼</m:t>
-                            </m:r>
-                          </m:e>
-                          <m:sub>
-                            <m:r>
-                              <a:rPr lang="en-US" sz="2400" b="0" i="1" smtClean="0">
-                                <a:latin typeface="Cambria Math" panose="02040503050406030204" pitchFamily="18" charset="0"/>
-                              </a:rPr>
-                              <m:t>1</m:t>
-                            </m:r>
-                          </m:sub>
-                        </m:sSub>
-                        <m:d>
-                          <m:dPr>
-                            <m:ctrlPr>
-                              <a:rPr lang="en-US" sz="2400" b="0" i="1" smtClean="0">
-                                <a:latin typeface="Cambria Math" panose="02040503050406030204" pitchFamily="18" charset="0"/>
-                              </a:rPr>
-                            </m:ctrlPr>
-                          </m:dPr>
-                          <m:e>
-                            <m:r>
-                              <a:rPr lang="en-US" sz="2400" b="0" i="1" smtClean="0">
-                                <a:latin typeface="Cambria Math" panose="02040503050406030204" pitchFamily="18" charset="0"/>
-                                <a:ea typeface="Cambria Math" panose="02040503050406030204" pitchFamily="18" charset="0"/>
-                              </a:rPr>
-                              <m:t>𝜈</m:t>
-                            </m:r>
-                          </m:e>
-                        </m:d>
-                        <m:r>
-                          <a:rPr lang="en-US" sz="2400" b="0" i="1" smtClean="0">
-                            <a:latin typeface="Cambria Math" panose="02040503050406030204" pitchFamily="18" charset="0"/>
-                            <a:ea typeface="Cambria Math" panose="02040503050406030204" pitchFamily="18" charset="0"/>
-                          </a:rPr>
-                          <m:t>+</m:t>
-                        </m:r>
-                        <m:f>
-                          <m:fPr>
-                            <m:ctrlPr>
-                              <a:rPr lang="en-US" sz="2400" b="0" i="1" smtClean="0">
-                                <a:latin typeface="Cambria Math" panose="02040503050406030204" pitchFamily="18" charset="0"/>
-                                <a:ea typeface="Cambria Math" panose="02040503050406030204" pitchFamily="18" charset="0"/>
-                              </a:rPr>
-                            </m:ctrlPr>
-                          </m:fPr>
-                          <m:num>
-                            <m:r>
-                              <a:rPr lang="en-US" sz="2400" b="0" i="1" smtClean="0">
-                                <a:latin typeface="Cambria Math" panose="02040503050406030204" pitchFamily="18" charset="0"/>
-                                <a:ea typeface="Cambria Math" panose="02040503050406030204" pitchFamily="18" charset="0"/>
-                              </a:rPr>
-                              <m:t>1</m:t>
-                            </m:r>
-                          </m:num>
-                          <m:den>
-                            <m:r>
-                              <a:rPr lang="en-US" sz="2400" b="0" i="1" smtClean="0">
-                                <a:latin typeface="Cambria Math" panose="02040503050406030204" pitchFamily="18" charset="0"/>
-                                <a:ea typeface="Cambria Math" panose="02040503050406030204" pitchFamily="18" charset="0"/>
-                              </a:rPr>
-                              <m:t>2</m:t>
-                            </m:r>
-                          </m:den>
-                        </m:f>
-                        <m:r>
-                          <a:rPr lang="en-US" sz="2400" b="0" i="1" smtClean="0">
-                            <a:latin typeface="Cambria Math" panose="02040503050406030204" pitchFamily="18" charset="0"/>
-                            <a:ea typeface="Cambria Math" panose="02040503050406030204" pitchFamily="18" charset="0"/>
-                          </a:rPr>
-                          <m:t>𝑒</m:t>
-                        </m:r>
-                        <m:d>
-                          <m:dPr>
-                            <m:begChr m:val="["/>
-                            <m:endChr m:val="]"/>
-                            <m:ctrlPr>
-                              <a:rPr lang="en-US" sz="2400" b="0" i="1" smtClean="0">
-                                <a:latin typeface="Cambria Math" panose="02040503050406030204" pitchFamily="18" charset="0"/>
-                                <a:ea typeface="Cambria Math" panose="02040503050406030204" pitchFamily="18" charset="0"/>
-                              </a:rPr>
-                            </m:ctrlPr>
-                          </m:dPr>
-                          <m:e>
-                            <m:sSub>
-                              <m:sSubPr>
-                                <m:ctrlPr>
-                                  <a:rPr lang="en-US" sz="2400" b="0" i="1" smtClean="0">
-                                    <a:latin typeface="Cambria Math" panose="02040503050406030204" pitchFamily="18" charset="0"/>
-                                    <a:ea typeface="Cambria Math" panose="02040503050406030204" pitchFamily="18" charset="0"/>
-                                  </a:rPr>
-                                </m:ctrlPr>
-                              </m:sSubPr>
-                              <m:e>
-                                <m:r>
-                                  <a:rPr lang="en-US" sz="2400" b="0" i="1" smtClean="0">
-                                    <a:latin typeface="Cambria Math" panose="02040503050406030204" pitchFamily="18" charset="0"/>
-                                    <a:ea typeface="Cambria Math" panose="02040503050406030204" pitchFamily="18" charset="0"/>
-                                  </a:rPr>
-                                  <m:t>𝐼</m:t>
-                                </m:r>
-                              </m:e>
-                              <m:sub>
-                                <m:r>
-                                  <a:rPr lang="en-US" sz="2400" b="0" i="1" smtClean="0">
-                                    <a:latin typeface="Cambria Math" panose="02040503050406030204" pitchFamily="18" charset="0"/>
-                                    <a:ea typeface="Cambria Math" panose="02040503050406030204" pitchFamily="18" charset="0"/>
-                                  </a:rPr>
-                                  <m:t>0</m:t>
-                                </m:r>
-                              </m:sub>
-                            </m:sSub>
-                            <m:d>
-                              <m:dPr>
-                                <m:ctrlPr>
-                                  <a:rPr lang="en-US" sz="2400" b="0" i="1" smtClean="0">
-                                    <a:latin typeface="Cambria Math" panose="02040503050406030204" pitchFamily="18" charset="0"/>
-                                    <a:ea typeface="Cambria Math" panose="02040503050406030204" pitchFamily="18" charset="0"/>
-                                  </a:rPr>
-                                </m:ctrlPr>
-                              </m:dPr>
-                              <m:e>
-                                <m:r>
-                                  <a:rPr lang="en-US" sz="2400" b="0" i="1" smtClean="0">
-                                    <a:latin typeface="Cambria Math" panose="02040503050406030204" pitchFamily="18" charset="0"/>
-                                    <a:ea typeface="Cambria Math" panose="02040503050406030204" pitchFamily="18" charset="0"/>
-                                  </a:rPr>
-                                  <m:t>𝜈</m:t>
-                                </m:r>
-                              </m:e>
-                            </m:d>
-                            <m:r>
-                              <a:rPr lang="en-US" sz="2400" b="0" i="1" smtClean="0">
-                                <a:latin typeface="Cambria Math" panose="02040503050406030204" pitchFamily="18" charset="0"/>
-                                <a:ea typeface="Cambria Math" panose="02040503050406030204" pitchFamily="18" charset="0"/>
-                              </a:rPr>
-                              <m:t>+</m:t>
-                            </m:r>
-                            <m:sSub>
-                              <m:sSubPr>
-                                <m:ctrlPr>
-                                  <a:rPr lang="en-US" sz="2400" b="0" i="1" smtClean="0">
-                                    <a:latin typeface="Cambria Math" panose="02040503050406030204" pitchFamily="18" charset="0"/>
-                                    <a:ea typeface="Cambria Math" panose="02040503050406030204" pitchFamily="18" charset="0"/>
-                                  </a:rPr>
-                                </m:ctrlPr>
-                              </m:sSubPr>
-                              <m:e>
-                                <m:r>
-                                  <a:rPr lang="en-US" sz="2400" b="0" i="1" smtClean="0">
-                                    <a:latin typeface="Cambria Math" panose="02040503050406030204" pitchFamily="18" charset="0"/>
-                                    <a:ea typeface="Cambria Math" panose="02040503050406030204" pitchFamily="18" charset="0"/>
-                                  </a:rPr>
-                                  <m:t>𝐼</m:t>
-                                </m:r>
-                              </m:e>
-                              <m:sub>
-                                <m:r>
-                                  <a:rPr lang="en-US" sz="2400" b="0" i="1" smtClean="0">
-                                    <a:latin typeface="Cambria Math" panose="02040503050406030204" pitchFamily="18" charset="0"/>
-                                    <a:ea typeface="Cambria Math" panose="02040503050406030204" pitchFamily="18" charset="0"/>
-                                  </a:rPr>
-                                  <m:t>2</m:t>
-                                </m:r>
-                              </m:sub>
-                            </m:sSub>
-                            <m:r>
-                              <a:rPr lang="en-US" sz="2400" b="0" i="1" smtClean="0">
-                                <a:latin typeface="Cambria Math" panose="02040503050406030204" pitchFamily="18" charset="0"/>
-                                <a:ea typeface="Cambria Math" panose="02040503050406030204" pitchFamily="18" charset="0"/>
-                              </a:rPr>
-                              <m:t>(</m:t>
-                            </m:r>
-                            <m:r>
-                              <a:rPr lang="en-US" sz="2400" b="0" i="1" smtClean="0">
-                                <a:latin typeface="Cambria Math" panose="02040503050406030204" pitchFamily="18" charset="0"/>
-                                <a:ea typeface="Cambria Math" panose="02040503050406030204" pitchFamily="18" charset="0"/>
-                              </a:rPr>
-                              <m:t>𝜈</m:t>
-                            </m:r>
-                            <m:r>
-                              <a:rPr lang="en-US" sz="2400" b="0" i="1" smtClean="0">
-                                <a:latin typeface="Cambria Math" panose="02040503050406030204" pitchFamily="18" charset="0"/>
-                                <a:ea typeface="Cambria Math" panose="02040503050406030204" pitchFamily="18" charset="0"/>
-                              </a:rPr>
-                              <m:t>)</m:t>
-                            </m:r>
-                          </m:e>
-                        </m:d>
-                        <m:r>
-                          <a:rPr lang="en-US" sz="2400" b="0" i="1" smtClean="0">
-                            <a:latin typeface="Cambria Math" panose="02040503050406030204" pitchFamily="18" charset="0"/>
-                            <a:ea typeface="Cambria Math" panose="02040503050406030204" pitchFamily="18" charset="0"/>
-                          </a:rPr>
-                          <m:t>+</m:t>
-                        </m:r>
-                        <m:f>
-                          <m:fPr>
-                            <m:ctrlPr>
-                              <a:rPr lang="en-US" sz="2400" b="0" i="1" smtClean="0">
-                                <a:latin typeface="Cambria Math" panose="02040503050406030204" pitchFamily="18" charset="0"/>
-                                <a:ea typeface="Cambria Math" panose="02040503050406030204" pitchFamily="18" charset="0"/>
-                              </a:rPr>
-                            </m:ctrlPr>
-                          </m:fPr>
-                          <m:num>
-                            <m:r>
-                              <a:rPr lang="en-US" sz="2400" b="0" i="1" smtClean="0">
-                                <a:latin typeface="Cambria Math" panose="02040503050406030204" pitchFamily="18" charset="0"/>
-                                <a:ea typeface="Cambria Math" panose="02040503050406030204" pitchFamily="18" charset="0"/>
-                              </a:rPr>
-                              <m:t>1</m:t>
-                            </m:r>
-                          </m:num>
-                          <m:den>
-                            <m:r>
-                              <a:rPr lang="en-US" sz="2400" b="0" i="1" smtClean="0">
-                                <a:latin typeface="Cambria Math" panose="02040503050406030204" pitchFamily="18" charset="0"/>
-                                <a:ea typeface="Cambria Math" panose="02040503050406030204" pitchFamily="18" charset="0"/>
-                              </a:rPr>
-                              <m:t>8</m:t>
-                            </m:r>
-                          </m:den>
-                        </m:f>
-                        <m:sSup>
-                          <m:sSupPr>
-                            <m:ctrlPr>
-                              <a:rPr lang="en-US" sz="2400" b="0" i="1" smtClean="0">
-                                <a:latin typeface="Cambria Math" panose="02040503050406030204" pitchFamily="18" charset="0"/>
-                                <a:ea typeface="Cambria Math" panose="02040503050406030204" pitchFamily="18" charset="0"/>
-                              </a:rPr>
-                            </m:ctrlPr>
-                          </m:sSupPr>
-                          <m:e>
-                            <m:r>
-                              <a:rPr lang="en-US" sz="2400" b="0" i="1" smtClean="0">
-                                <a:latin typeface="Cambria Math" panose="02040503050406030204" pitchFamily="18" charset="0"/>
-                                <a:ea typeface="Cambria Math" panose="02040503050406030204" pitchFamily="18" charset="0"/>
-                              </a:rPr>
-                              <m:t>𝑒</m:t>
-                            </m:r>
-                          </m:e>
-                          <m:sup>
-                            <m:r>
-                              <a:rPr lang="en-US" sz="2400" b="0" i="1" smtClean="0">
-                                <a:latin typeface="Cambria Math" panose="02040503050406030204" pitchFamily="18" charset="0"/>
-                                <a:ea typeface="Cambria Math" panose="02040503050406030204" pitchFamily="18" charset="0"/>
-                              </a:rPr>
-                              <m:t>2</m:t>
-                            </m:r>
-                          </m:sup>
-                        </m:sSup>
-                        <m:d>
-                          <m:dPr>
-                            <m:begChr m:val="["/>
-                            <m:endChr m:val="]"/>
-                            <m:ctrlPr>
-                              <a:rPr lang="en-US" sz="2400" b="0" i="1" smtClean="0">
-                                <a:latin typeface="Cambria Math" panose="02040503050406030204" pitchFamily="18" charset="0"/>
-                                <a:ea typeface="Cambria Math" panose="02040503050406030204" pitchFamily="18" charset="0"/>
-                              </a:rPr>
-                            </m:ctrlPr>
-                          </m:dPr>
-                          <m:e>
-                            <m:r>
-                              <a:rPr lang="en-US" sz="2400" b="0" i="1" smtClean="0">
-                                <a:latin typeface="Cambria Math" panose="02040503050406030204" pitchFamily="18" charset="0"/>
-                                <a:ea typeface="Cambria Math" panose="02040503050406030204" pitchFamily="18" charset="0"/>
-                              </a:rPr>
-                              <m:t>3</m:t>
-                            </m:r>
-                            <m:sSub>
-                              <m:sSubPr>
-                                <m:ctrlPr>
-                                  <a:rPr lang="en-US" sz="2400" b="0" i="1" smtClean="0">
-                                    <a:latin typeface="Cambria Math" panose="02040503050406030204" pitchFamily="18" charset="0"/>
-                                    <a:ea typeface="Cambria Math" panose="02040503050406030204" pitchFamily="18" charset="0"/>
-                                  </a:rPr>
-                                </m:ctrlPr>
-                              </m:sSubPr>
-                              <m:e>
-                                <m:r>
-                                  <a:rPr lang="en-US" sz="2400" b="0" i="1" smtClean="0">
-                                    <a:latin typeface="Cambria Math" panose="02040503050406030204" pitchFamily="18" charset="0"/>
-                                    <a:ea typeface="Cambria Math" panose="02040503050406030204" pitchFamily="18" charset="0"/>
-                                  </a:rPr>
-                                  <m:t>𝐼</m:t>
-                                </m:r>
-                              </m:e>
-                              <m:sub>
-                                <m:r>
-                                  <a:rPr lang="en-US" sz="2400" b="0" i="1" smtClean="0">
-                                    <a:latin typeface="Cambria Math" panose="02040503050406030204" pitchFamily="18" charset="0"/>
-                                    <a:ea typeface="Cambria Math" panose="02040503050406030204" pitchFamily="18" charset="0"/>
-                                  </a:rPr>
-                                  <m:t>1</m:t>
-                                </m:r>
-                              </m:sub>
-                            </m:sSub>
-                            <m:d>
-                              <m:dPr>
-                                <m:ctrlPr>
-                                  <a:rPr lang="en-US" sz="2400" b="0" i="1" smtClean="0">
-                                    <a:latin typeface="Cambria Math" panose="02040503050406030204" pitchFamily="18" charset="0"/>
-                                    <a:ea typeface="Cambria Math" panose="02040503050406030204" pitchFamily="18" charset="0"/>
-                                  </a:rPr>
-                                </m:ctrlPr>
-                              </m:dPr>
-                              <m:e>
-                                <m:r>
-                                  <a:rPr lang="en-US" sz="2400" b="0" i="1" smtClean="0">
-                                    <a:latin typeface="Cambria Math" panose="02040503050406030204" pitchFamily="18" charset="0"/>
-                                    <a:ea typeface="Cambria Math" panose="02040503050406030204" pitchFamily="18" charset="0"/>
-                                  </a:rPr>
-                                  <m:t>𝜈</m:t>
-                                </m:r>
-                              </m:e>
-                            </m:d>
-                            <m:r>
-                              <a:rPr lang="en-US" sz="2400" b="0" i="1" smtClean="0">
-                                <a:latin typeface="Cambria Math" panose="02040503050406030204" pitchFamily="18" charset="0"/>
-                                <a:ea typeface="Cambria Math" panose="02040503050406030204" pitchFamily="18" charset="0"/>
-                              </a:rPr>
-                              <m:t>+</m:t>
-                            </m:r>
-                            <m:sSub>
-                              <m:sSubPr>
-                                <m:ctrlPr>
-                                  <a:rPr lang="en-US" sz="2400" b="0" i="1" smtClean="0">
-                                    <a:latin typeface="Cambria Math" panose="02040503050406030204" pitchFamily="18" charset="0"/>
-                                    <a:ea typeface="Cambria Math" panose="02040503050406030204" pitchFamily="18" charset="0"/>
-                                  </a:rPr>
-                                </m:ctrlPr>
-                              </m:sSubPr>
-                              <m:e>
-                                <m:r>
-                                  <a:rPr lang="en-US" sz="2400" b="0" i="1" smtClean="0">
-                                    <a:latin typeface="Cambria Math" panose="02040503050406030204" pitchFamily="18" charset="0"/>
-                                    <a:ea typeface="Cambria Math" panose="02040503050406030204" pitchFamily="18" charset="0"/>
-                                  </a:rPr>
-                                  <m:t>𝐼</m:t>
-                                </m:r>
-                              </m:e>
-                              <m:sub>
-                                <m:r>
-                                  <a:rPr lang="en-US" sz="2400" b="0" i="1" smtClean="0">
-                                    <a:latin typeface="Cambria Math" panose="02040503050406030204" pitchFamily="18" charset="0"/>
-                                    <a:ea typeface="Cambria Math" panose="02040503050406030204" pitchFamily="18" charset="0"/>
-                                  </a:rPr>
-                                  <m:t>3</m:t>
-                                </m:r>
-                              </m:sub>
-                            </m:sSub>
-                            <m:r>
-                              <a:rPr lang="en-US" sz="2400" b="0" i="1" smtClean="0">
-                                <a:latin typeface="Cambria Math" panose="02040503050406030204" pitchFamily="18" charset="0"/>
-                                <a:ea typeface="Cambria Math" panose="02040503050406030204" pitchFamily="18" charset="0"/>
-                              </a:rPr>
-                              <m:t>(</m:t>
-                            </m:r>
-                            <m:r>
-                              <a:rPr lang="en-US" sz="2400" b="0" i="1" smtClean="0">
-                                <a:latin typeface="Cambria Math" panose="02040503050406030204" pitchFamily="18" charset="0"/>
-                                <a:ea typeface="Cambria Math" panose="02040503050406030204" pitchFamily="18" charset="0"/>
-                              </a:rPr>
-                              <m:t>𝜈</m:t>
-                            </m:r>
-                            <m:r>
-                              <a:rPr lang="en-US" sz="2400" b="0" i="1" smtClean="0">
-                                <a:latin typeface="Cambria Math" panose="02040503050406030204" pitchFamily="18" charset="0"/>
-                                <a:ea typeface="Cambria Math" panose="02040503050406030204" pitchFamily="18" charset="0"/>
-                              </a:rPr>
-                              <m:t>)</m:t>
-                            </m:r>
-                          </m:e>
-                        </m:d>
-                      </m:e>
-                    </m:d>
-                  </m:oMath>
-                </a14:m>
-                <a:endParaRPr lang="en-US" sz="2400" dirty="0" smtClean="0"/>
-              </a:p>
-              <a:p>
-                <a14:m>
-                  <m:oMath xmlns:m="http://schemas.openxmlformats.org/officeDocument/2006/math">
-                    <m:acc>
-                      <m:accPr>
-                        <m:chr m:val="̇"/>
-                        <m:ctrlPr>
-                          <a:rPr lang="en-US" sz="2400" i="1" smtClean="0">
-                            <a:latin typeface="Cambria Math" panose="02040503050406030204" pitchFamily="18" charset="0"/>
-                          </a:rPr>
-                        </m:ctrlPr>
-                      </m:accPr>
-                      <m:e>
-                        <m:acc>
-                          <m:accPr>
-                            <m:chr m:val="̅"/>
-                            <m:ctrlPr>
-                              <a:rPr lang="en-US" sz="2400" i="1" smtClean="0">
-                                <a:latin typeface="Cambria Math" panose="02040503050406030204" pitchFamily="18" charset="0"/>
-                              </a:rPr>
-                            </m:ctrlPr>
-                          </m:accPr>
-                          <m:e>
-                            <m:r>
-                              <m:rPr>
-                                <m:sty m:val="p"/>
-                              </m:rPr>
-                              <a:rPr lang="el-GR" sz="2400" i="1" smtClean="0">
-                                <a:latin typeface="Cambria Math" panose="02040503050406030204" pitchFamily="18" charset="0"/>
-                                <a:ea typeface="Cambria Math" panose="02040503050406030204" pitchFamily="18" charset="0"/>
-                              </a:rPr>
-                              <m:t>Ω</m:t>
-                            </m:r>
-                          </m:e>
-                        </m:acc>
-                      </m:e>
-                    </m:acc>
-                    <m:r>
-                      <a:rPr lang="en-US" sz="2400" b="0" i="1" smtClean="0">
-                        <a:latin typeface="Cambria Math" panose="02040503050406030204" pitchFamily="18" charset="0"/>
-                      </a:rPr>
-                      <m:t>=−</m:t>
-                    </m:r>
-                    <m:f>
-                      <m:fPr>
-                        <m:ctrlPr>
-                          <a:rPr lang="en-US" sz="2400" b="0" i="1" smtClean="0">
-                            <a:latin typeface="Cambria Math" panose="02040503050406030204" pitchFamily="18" charset="0"/>
-                          </a:rPr>
-                        </m:ctrlPr>
-                      </m:fPr>
-                      <m:num>
-                        <m:r>
-                          <a:rPr lang="en-US" sz="2400" b="0" i="1" smtClean="0">
-                            <a:latin typeface="Cambria Math" panose="02040503050406030204" pitchFamily="18" charset="0"/>
-                          </a:rPr>
-                          <m:t>3</m:t>
-                        </m:r>
-                        <m:sSub>
-                          <m:sSubPr>
-                            <m:ctrlPr>
-                              <a:rPr lang="en-US" sz="2400" b="0" i="1" smtClean="0">
-                                <a:latin typeface="Cambria Math" panose="02040503050406030204" pitchFamily="18" charset="0"/>
-                              </a:rPr>
-                            </m:ctrlPr>
-                          </m:sSubPr>
-                          <m:e>
-                            <m:r>
-                              <a:rPr lang="en-US" sz="2400" b="0" i="1" smtClean="0">
-                                <a:latin typeface="Cambria Math" panose="02040503050406030204" pitchFamily="18" charset="0"/>
-                              </a:rPr>
-                              <m:t>𝐽</m:t>
-                            </m:r>
-                          </m:e>
-                          <m:sub>
-                            <m:r>
-                              <a:rPr lang="en-US" sz="2400" b="0" i="1" smtClean="0">
-                                <a:latin typeface="Cambria Math" panose="02040503050406030204" pitchFamily="18" charset="0"/>
-                              </a:rPr>
-                              <m:t>2</m:t>
-                            </m:r>
-                          </m:sub>
-                        </m:sSub>
-                        <m:sSup>
-                          <m:sSupPr>
-                            <m:ctrlPr>
-                              <a:rPr lang="en-US" sz="2400" b="0" i="1" smtClean="0">
-                                <a:latin typeface="Cambria Math" panose="02040503050406030204" pitchFamily="18" charset="0"/>
-                              </a:rPr>
-                            </m:ctrlPr>
-                          </m:sSupPr>
-                          <m:e>
-                            <m:r>
-                              <a:rPr lang="en-US" sz="2400" b="0" i="1" smtClean="0">
-                                <a:latin typeface="Cambria Math" panose="02040503050406030204" pitchFamily="18" charset="0"/>
-                              </a:rPr>
-                              <m:t>𝑅</m:t>
-                            </m:r>
-                          </m:e>
-                          <m:sup>
-                            <m:r>
-                              <a:rPr lang="en-US" sz="2400" b="0" i="1" smtClean="0">
-                                <a:latin typeface="Cambria Math" panose="02040503050406030204" pitchFamily="18" charset="0"/>
-                              </a:rPr>
-                              <m:t>2</m:t>
-                            </m:r>
-                          </m:sup>
-                        </m:sSup>
-                        <m:r>
-                          <a:rPr lang="en-US" sz="2400" b="0" i="1" smtClean="0">
-                            <a:latin typeface="Cambria Math" panose="02040503050406030204" pitchFamily="18" charset="0"/>
-                          </a:rPr>
-                          <m:t>𝑛</m:t>
-                        </m:r>
-                      </m:num>
-                      <m:den>
-                        <m:r>
-                          <a:rPr lang="en-US" sz="2400" b="0" i="1" smtClean="0">
-                            <a:latin typeface="Cambria Math" panose="02040503050406030204" pitchFamily="18" charset="0"/>
-                          </a:rPr>
-                          <m:t>2</m:t>
-                        </m:r>
-                        <m:sSup>
-                          <m:sSupPr>
-                            <m:ctrlPr>
-                              <a:rPr lang="en-US" sz="2400" b="0" i="1" smtClean="0">
-                                <a:latin typeface="Cambria Math" panose="02040503050406030204" pitchFamily="18" charset="0"/>
-                              </a:rPr>
-                            </m:ctrlPr>
-                          </m:sSupPr>
-                          <m:e>
-                            <m:r>
-                              <a:rPr lang="en-US" sz="2400" b="0" i="1" smtClean="0">
-                                <a:latin typeface="Cambria Math" panose="02040503050406030204" pitchFamily="18" charset="0"/>
-                              </a:rPr>
-                              <m:t>𝑝</m:t>
-                            </m:r>
-                          </m:e>
-                          <m:sup>
-                            <m:r>
-                              <a:rPr lang="en-US" sz="2400" b="0" i="1" smtClean="0">
-                                <a:latin typeface="Cambria Math" panose="02040503050406030204" pitchFamily="18" charset="0"/>
-                              </a:rPr>
-                              <m:t>2</m:t>
-                            </m:r>
-                          </m:sup>
-                        </m:sSup>
-                      </m:den>
-                    </m:f>
-                    <m:func>
-                      <m:funcPr>
-                        <m:ctrlPr>
-                          <a:rPr lang="en-US" sz="2400" b="0" i="1" smtClean="0">
-                            <a:latin typeface="Cambria Math" panose="02040503050406030204" pitchFamily="18" charset="0"/>
-                          </a:rPr>
-                        </m:ctrlPr>
-                      </m:funcPr>
-                      <m:fName>
-                        <m:r>
-                          <m:rPr>
-                            <m:sty m:val="p"/>
-                          </m:rPr>
-                          <a:rPr lang="en-US" sz="2400" b="0" i="0" smtClean="0">
-                            <a:latin typeface="Cambria Math" panose="02040503050406030204" pitchFamily="18" charset="0"/>
-                          </a:rPr>
-                          <m:t>cos</m:t>
-                        </m:r>
-                      </m:fName>
-                      <m:e>
-                        <m:r>
-                          <a:rPr lang="en-US" sz="2400" b="0" i="1" smtClean="0">
-                            <a:latin typeface="Cambria Math" panose="02040503050406030204" pitchFamily="18" charset="0"/>
-                          </a:rPr>
-                          <m:t>𝑖</m:t>
-                        </m:r>
-                      </m:e>
-                    </m:func>
-                  </m:oMath>
-                </a14:m>
-                <a:endParaRPr lang="en-US" sz="2400" dirty="0" smtClean="0"/>
-              </a:p>
-              <a:p>
-                <a14:m>
-                  <m:oMath xmlns:m="http://schemas.openxmlformats.org/officeDocument/2006/math">
-                    <m:acc>
-                      <m:accPr>
-                        <m:chr m:val="̇"/>
-                        <m:ctrlPr>
-                          <a:rPr lang="en-US" sz="2400" i="1" smtClean="0">
-                            <a:latin typeface="Cambria Math" panose="02040503050406030204" pitchFamily="18" charset="0"/>
-                          </a:rPr>
-                        </m:ctrlPr>
-                      </m:accPr>
-                      <m:e>
-                        <m:acc>
-                          <m:accPr>
-                            <m:chr m:val="̅"/>
-                            <m:ctrlPr>
-                              <a:rPr lang="en-US" sz="2400" i="1" smtClean="0">
-                                <a:latin typeface="Cambria Math" panose="02040503050406030204" pitchFamily="18" charset="0"/>
-                              </a:rPr>
-                            </m:ctrlPr>
-                          </m:accPr>
-                          <m:e>
-                            <m:r>
-                              <a:rPr lang="en-US" sz="2400" i="1" smtClean="0">
-                                <a:latin typeface="Cambria Math" panose="02040503050406030204" pitchFamily="18" charset="0"/>
-                                <a:ea typeface="Cambria Math" panose="02040503050406030204" pitchFamily="18" charset="0"/>
-                              </a:rPr>
-                              <m:t>𝜔</m:t>
-                            </m:r>
-                          </m:e>
-                        </m:acc>
-                      </m:e>
-                    </m:acc>
-                    <m:r>
-                      <a:rPr lang="en-US" sz="2400" b="0" i="1" smtClean="0">
-                        <a:latin typeface="Cambria Math" panose="02040503050406030204" pitchFamily="18" charset="0"/>
-                      </a:rPr>
-                      <m:t>=</m:t>
-                    </m:r>
-                    <m:f>
-                      <m:fPr>
-                        <m:ctrlPr>
-                          <a:rPr lang="en-US" sz="2400" b="0" i="1" smtClean="0">
-                            <a:latin typeface="Cambria Math" panose="02040503050406030204" pitchFamily="18" charset="0"/>
-                          </a:rPr>
-                        </m:ctrlPr>
-                      </m:fPr>
-                      <m:num>
-                        <m:r>
-                          <a:rPr lang="en-US" sz="2400" b="0" i="1" smtClean="0">
-                            <a:latin typeface="Cambria Math" panose="02040503050406030204" pitchFamily="18" charset="0"/>
-                          </a:rPr>
-                          <m:t>3</m:t>
-                        </m:r>
-                        <m:sSub>
-                          <m:sSubPr>
-                            <m:ctrlPr>
-                              <a:rPr lang="en-US" sz="2400" b="0" i="1" smtClean="0">
-                                <a:latin typeface="Cambria Math" panose="02040503050406030204" pitchFamily="18" charset="0"/>
-                              </a:rPr>
-                            </m:ctrlPr>
-                          </m:sSubPr>
-                          <m:e>
-                            <m:r>
-                              <a:rPr lang="en-US" sz="2400" b="0" i="1" smtClean="0">
-                                <a:latin typeface="Cambria Math" panose="02040503050406030204" pitchFamily="18" charset="0"/>
-                              </a:rPr>
-                              <m:t>𝐽</m:t>
-                            </m:r>
-                          </m:e>
-                          <m:sub>
-                            <m:r>
-                              <a:rPr lang="en-US" sz="2400" b="0" i="1" smtClean="0">
-                                <a:latin typeface="Cambria Math" panose="02040503050406030204" pitchFamily="18" charset="0"/>
-                              </a:rPr>
-                              <m:t>2</m:t>
-                            </m:r>
-                          </m:sub>
-                        </m:sSub>
-                        <m:sSup>
-                          <m:sSupPr>
-                            <m:ctrlPr>
-                              <a:rPr lang="en-US" sz="2400" b="0" i="1" smtClean="0">
-                                <a:latin typeface="Cambria Math" panose="02040503050406030204" pitchFamily="18" charset="0"/>
-                              </a:rPr>
-                            </m:ctrlPr>
-                          </m:sSupPr>
-                          <m:e>
-                            <m:r>
-                              <a:rPr lang="en-US" sz="2400" b="0" i="1" smtClean="0">
-                                <a:latin typeface="Cambria Math" panose="02040503050406030204" pitchFamily="18" charset="0"/>
-                              </a:rPr>
-                              <m:t>𝑅</m:t>
-                            </m:r>
-                          </m:e>
-                          <m:sup>
-                            <m:r>
-                              <a:rPr lang="en-US" sz="2400" b="0" i="1" smtClean="0">
-                                <a:latin typeface="Cambria Math" panose="02040503050406030204" pitchFamily="18" charset="0"/>
-                              </a:rPr>
-                              <m:t>2</m:t>
-                            </m:r>
-                          </m:sup>
-                        </m:sSup>
-                        <m:r>
-                          <a:rPr lang="en-US" sz="2400" b="0" i="1" smtClean="0">
-                            <a:latin typeface="Cambria Math" panose="02040503050406030204" pitchFamily="18" charset="0"/>
-                          </a:rPr>
-                          <m:t>𝑛</m:t>
-                        </m:r>
-                      </m:num>
-                      <m:den>
-                        <m:r>
-                          <a:rPr lang="en-US" sz="2400" b="0" i="1" smtClean="0">
-                            <a:latin typeface="Cambria Math" panose="02040503050406030204" pitchFamily="18" charset="0"/>
-                          </a:rPr>
-                          <m:t>4</m:t>
-                        </m:r>
-                        <m:sSup>
-                          <m:sSupPr>
-                            <m:ctrlPr>
-                              <a:rPr lang="en-US" sz="2400" b="0" i="1" smtClean="0">
-                                <a:latin typeface="Cambria Math" panose="02040503050406030204" pitchFamily="18" charset="0"/>
-                              </a:rPr>
-                            </m:ctrlPr>
-                          </m:sSupPr>
-                          <m:e>
-                            <m:r>
-                              <a:rPr lang="en-US" sz="2400" b="0" i="1" smtClean="0">
-                                <a:latin typeface="Cambria Math" panose="02040503050406030204" pitchFamily="18" charset="0"/>
-                              </a:rPr>
-                              <m:t>𝑝</m:t>
-                            </m:r>
-                          </m:e>
-                          <m:sup>
-                            <m:r>
-                              <a:rPr lang="en-US" sz="2400" b="0" i="1" smtClean="0">
-                                <a:latin typeface="Cambria Math" panose="02040503050406030204" pitchFamily="18" charset="0"/>
-                              </a:rPr>
-                              <m:t>2</m:t>
-                            </m:r>
-                          </m:sup>
-                        </m:sSup>
-                      </m:den>
-                    </m:f>
-                    <m:d>
-                      <m:dPr>
-                        <m:ctrlPr>
-                          <a:rPr lang="en-US" sz="2400" b="0" i="1" smtClean="0">
-                            <a:latin typeface="Cambria Math" panose="02040503050406030204" pitchFamily="18" charset="0"/>
-                          </a:rPr>
-                        </m:ctrlPr>
-                      </m:dPr>
-                      <m:e>
-                        <m:r>
-                          <a:rPr lang="en-US" sz="2400" b="0" i="1" smtClean="0">
-                            <a:latin typeface="Cambria Math" panose="02040503050406030204" pitchFamily="18" charset="0"/>
-                          </a:rPr>
-                          <m:t>5</m:t>
-                        </m:r>
-                        <m:func>
-                          <m:funcPr>
-                            <m:ctrlPr>
-                              <a:rPr lang="en-US" sz="2400" b="0" i="1" smtClean="0">
-                                <a:latin typeface="Cambria Math" panose="02040503050406030204" pitchFamily="18" charset="0"/>
-                              </a:rPr>
-                            </m:ctrlPr>
-                          </m:funcPr>
-                          <m:fName>
-                            <m:sSup>
-                              <m:sSupPr>
-                                <m:ctrlPr>
-                                  <a:rPr lang="en-US" sz="2400" b="0" i="1" smtClean="0">
-                                    <a:latin typeface="Cambria Math" panose="02040503050406030204" pitchFamily="18" charset="0"/>
-                                  </a:rPr>
-                                </m:ctrlPr>
-                              </m:sSupPr>
-                              <m:e>
-                                <m:r>
-                                  <m:rPr>
-                                    <m:sty m:val="p"/>
-                                  </m:rPr>
-                                  <a:rPr lang="en-US" sz="2400" b="0" i="0" smtClean="0">
-                                    <a:latin typeface="Cambria Math" panose="02040503050406030204" pitchFamily="18" charset="0"/>
-                                  </a:rPr>
-                                  <m:t>cos</m:t>
-                                </m:r>
-                              </m:e>
-                              <m:sup>
-                                <m:r>
-                                  <a:rPr lang="en-US" sz="2400" b="0" i="1" smtClean="0">
-                                    <a:latin typeface="Cambria Math" panose="02040503050406030204" pitchFamily="18" charset="0"/>
-                                  </a:rPr>
-                                  <m:t>2</m:t>
-                                </m:r>
-                              </m:sup>
-                            </m:sSup>
-                          </m:fName>
-                          <m:e>
-                            <m:r>
-                              <a:rPr lang="en-US" sz="2400" b="0" i="1" smtClean="0">
-                                <a:latin typeface="Cambria Math" panose="02040503050406030204" pitchFamily="18" charset="0"/>
-                              </a:rPr>
-                              <m:t>𝑖</m:t>
-                            </m:r>
-                          </m:e>
-                        </m:func>
-                        <m:r>
-                          <a:rPr lang="en-US" sz="2400" b="0" i="1" smtClean="0">
-                            <a:latin typeface="Cambria Math" panose="02040503050406030204" pitchFamily="18" charset="0"/>
-                          </a:rPr>
-                          <m:t>−1</m:t>
-                        </m:r>
-                      </m:e>
-                    </m:d>
-                  </m:oMath>
-                </a14:m>
-                <a:endParaRPr lang="en-US" sz="2400" dirty="0"/>
-              </a:p>
-            </p:txBody>
-          </p:sp>
-        </mc:Choice>
-        <mc:Fallback xmlns="">
-          <p:sp>
-            <p:nvSpPr>
-              <p:cNvPr id="3" name="Content Placeholder 2"/>
-              <p:cNvSpPr>
-                <a:spLocks noGrp="1" noRot="1" noChangeAspect="1" noMove="1" noResize="1" noEditPoints="1" noAdjustHandles="1" noChangeArrowheads="1" noChangeShapeType="1" noTextEdit="1"/>
-              </p:cNvSpPr>
-              <p:nvPr>
-                <p:ph idx="1"/>
-              </p:nvPr>
-            </p:nvSpPr>
-            <p:spPr>
-              <a:blipFill>
-                <a:blip r:embed="rId3"/>
-                <a:stretch>
-                  <a:fillRect/>
-                </a:stretch>
-              </a:blipFill>
-            </p:spPr>
-            <p:txBody>
-              <a:bodyPr/>
-              <a:lstStyle/>
-              <a:p>
-                <a:r>
-                  <a:rPr lang="en-US">
-                    <a:noFill/>
-                  </a:rPr>
-                  <a:t> </a:t>
-                </a:r>
-              </a:p>
-            </p:txBody>
-          </p:sp>
-        </mc:Fallback>
-      </mc:AlternateContent>
-    </p:spTree>
-    <p:extLst>
-      <p:ext uri="{BB962C8B-B14F-4D97-AF65-F5344CB8AC3E}">
-        <p14:creationId xmlns:p14="http://schemas.microsoft.com/office/powerpoint/2010/main" val="2193512530"/>
-      </p:ext>
-    </p:extLst>
-  </p:cSld>
-  <p:clrMapOvr>
-    <a:masterClrMapping/>
-  </p:clrMapOvr>
-</p:sld>
-</file>
-
-<file path=ppt/slides/slide8.xml><?xml version="1.0" encoding="utf-8"?>
-<p:sld xmlns:a="http://schemas.openxmlformats.org/drawingml/2006/main" xmlns:r="http://schemas.openxmlformats.org/officeDocument/2006/relationships" xmlns:p="http://schemas.openxmlformats.org/presentationml/2006/main">
-  <p:cSld>
-    <p:spTree>
-      <p:nvGrpSpPr>
-        <p:cNvPr id="1" name=""/>
-        <p:cNvGrpSpPr/>
-        <p:nvPr/>
-      </p:nvGrpSpPr>
-      <p:grpSpPr>
-        <a:xfrm>
-          <a:off x="0" y="0"/>
-          <a:ext cx="0" cy="0"/>
-          <a:chOff x="0" y="0"/>
-          <a:chExt cx="0" cy="0"/>
-        </a:xfrm>
-      </p:grpSpPr>
-      <p:sp>
-        <p:nvSpPr>
-          <p:cNvPr id="2" name="Title 1"/>
-          <p:cNvSpPr>
-            <a:spLocks noGrp="1"/>
-          </p:cNvSpPr>
-          <p:nvPr>
-            <p:ph type="title"/>
-          </p:nvPr>
-        </p:nvSpPr>
-        <p:spPr/>
-        <p:txBody>
-          <a:bodyPr/>
-          <a:lstStyle/>
-          <a:p>
-            <a:r>
-              <a:rPr lang="en-US" dirty="0" smtClean="0"/>
               <a:t>Results: Gauss </a:t>
             </a:r>
             <a:r>
@@ -9723,7 +8041,7 @@
 </p:sld>
 </file>
 
-<file path=ppt/slides/slide9.xml><?xml version="1.0" encoding="utf-8"?>
+<file path=ppt/slides/slide8.xml><?xml version="1.0" encoding="utf-8"?>
 <p:sld xmlns:a="http://schemas.openxmlformats.org/drawingml/2006/main" xmlns:r="http://schemas.openxmlformats.org/officeDocument/2006/relationships" xmlns:p="http://schemas.openxmlformats.org/presentationml/2006/main">
   <p:cSld>
     <p:spTree>
@@ -10579,29 +8897,29 @@
 </file>
 
 <file path=customXml/item1.xml><?xml version="1.0" encoding="utf-8"?>
-<sisl xmlns:xsi="http://www.w3.org/2001/XMLSchema-instance" xmlns:xsd="http://www.w3.org/2001/XMLSchema" xmlns="http://www.boldonjames.com/2008/01/sie/internal/label" sislVersion="0" policy="cde53ac1-bf5f-4aae-9cf1-07509e23a4b0" origin="userSelected"/>
-</file>
-
-<file path=customXml/item2.xml><?xml version="1.0" encoding="utf-8"?>
 <WrappedLabelHistory xmlns:xsi="http://www.w3.org/2001/XMLSchema-instance" xmlns:xsd="http://www.w3.org/2001/XMLSchema" xmlns="http://www.boldonjames.com/2016/02/Classifier/internal/wrappedLabelHistory">
   <Value>PD94bWwgdmVyc2lvbj0iMS4wIiBlbmNvZGluZz0idXMtYXNjaWkiPz48bGFiZWxIaXN0b3J5IHhtbG5zOnhzaT0iaHR0cDovL3d3dy53My5vcmcvMjAwMS9YTUxTY2hlbWEtaW5zdGFuY2UiIHhtbG5zOnhzZD0iaHR0cDovL3d3dy53My5vcmcvMjAwMS9YTUxTY2hlbWEiIHhtbG5zPSJodHRwOi8vd3d3LmJvbGRvbmphbWVzLmNvbS8yMDE2LzAyL0NsYXNzaWZpZXIvaW50ZXJuYWwvbGFiZWxIaXN0b3J5Ij48aXRlbT48c2lzbCBzaXNsVmVyc2lvbj0iMCIgcG9saWN5PSJjZGU1M2FjMS1iZjVmLTRhYWUtOWNmMS0wNzUwOWUyM2E0YjAiIG9yaWdpbj0idXNlclNlbGVjdGVkIiAvPjxVc2VyTmFtZT5VU1x6MTA4OTgyOTwvVXNlck5hbWU+PERhdGVUaW1lPjEwLzI5LzIwMTggMjowNDo1NyBQTTwvRGF0ZVRpbWU+PExhYmVsU3RyaW5nPlRoaXMgYXJ0aWZhY3QgaGFzIG5vIGNsYXNzaWZpY2F0aW9uLjwvTGFiZWxTdHJpbmc+PC9pdGVtPjwvbGFiZWxIaXN0b3J5Pg==</Value>
 </WrappedLabelHistory>
 </file>
 
+<file path=customXml/item2.xml><?xml version="1.0" encoding="utf-8"?>
+<sisl xmlns:xsi="http://www.w3.org/2001/XMLSchema-instance" xmlns:xsd="http://www.w3.org/2001/XMLSchema" xmlns="http://www.boldonjames.com/2008/01/sie/internal/label" sislVersion="0" policy="cde53ac1-bf5f-4aae-9cf1-07509e23a4b0" origin="userSelected"/>
+</file>
+
 <file path=customXml/itemProps1.xml><?xml version="1.0" encoding="utf-8"?>
+<ds:datastoreItem xmlns:ds="http://schemas.openxmlformats.org/officeDocument/2006/customXml" ds:itemID="{8F3D67F1-45F6-45F4-924E-C40296E44607}">
+  <ds:schemaRefs>
+    <ds:schemaRef ds:uri="http://www.w3.org/2001/XMLSchema"/>
+    <ds:schemaRef ds:uri="http://www.boldonjames.com/2016/02/Classifier/internal/wrappedLabelHistory"/>
+  </ds:schemaRefs>
+</ds:datastoreItem>
+</file>
+
+<file path=customXml/itemProps2.xml><?xml version="1.0" encoding="utf-8"?>
 <ds:datastoreItem xmlns:ds="http://schemas.openxmlformats.org/officeDocument/2006/customXml" ds:itemID="{AF6E7334-B74F-4269-96F9-7C22409C9EA6}">
   <ds:schemaRefs>
     <ds:schemaRef ds:uri="http://www.w3.org/2001/XMLSchema"/>
     <ds:schemaRef ds:uri="http://www.boldonjames.com/2008/01/sie/internal/label"/>
   </ds:schemaRefs>
 </ds:datastoreItem>
-</file>
-
-<file path=customXml/itemProps2.xml><?xml version="1.0" encoding="utf-8"?>
-<ds:datastoreItem xmlns:ds="http://schemas.openxmlformats.org/officeDocument/2006/customXml" ds:itemID="{8F3D67F1-45F6-45F4-924E-C40296E44607}">
-  <ds:schemaRefs>
-    <ds:schemaRef ds:uri="http://www.w3.org/2001/XMLSchema"/>
-    <ds:schemaRef ds:uri="http://www.boldonjames.com/2016/02/Classifier/internal/wrappedLabelHistory"/>
-  </ds:schemaRefs>
-</ds:datastoreItem>
 </file>